--- a/Имитация кассового аппарата.pptx
+++ b/Имитация кассового аппарата.pptx
@@ -111,6 +111,11 @@
       </a:defRPr>
     </a:lvl9pPr>
   </p:defaultTextStyle>
+  <p:extLst>
+    <p:ext uri="{EFAFB233-063F-42B5-8137-9DF3F51BA10A}">
+      <p15:sldGuideLst xmlns:p15="http://schemas.microsoft.com/office/powerpoint/2012/main"/>
+    </p:ext>
+  </p:extLst>
 </p:presentation>
 </file>
 
@@ -196,7 +201,7 @@
           <a:p>
             <a:fld id="{75FDFBFB-010E-4581-8C64-87A42C7C2DF5}" type="datetimeFigureOut">
               <a:rPr lang="ru-RU" smtClean="0"/>
-              <a:t>02.11.2022</a:t>
+              <a:t>07.11.2022</a:t>
             </a:fld>
             <a:endParaRPr lang="ru-RU"/>
           </a:p>
@@ -649,7 +654,7 @@
           <a:p>
             <a:fld id="{2C63DD79-62ED-481A-A5E7-01BF3D63C108}" type="datetime1">
               <a:rPr lang="en-US" smtClean="0"/>
-              <a:t>11/2/2022</a:t>
+              <a:t>11/7/2022</a:t>
             </a:fld>
             <a:endParaRPr lang="en-US" dirty="0"/>
           </a:p>
@@ -919,7 +924,7 @@
           <a:p>
             <a:fld id="{A41919B2-F6B8-44FA-855B-DEFCF9BCB197}" type="datetime1">
               <a:rPr lang="en-US" smtClean="0"/>
-              <a:t>11/2/2022</a:t>
+              <a:t>11/7/2022</a:t>
             </a:fld>
             <a:endParaRPr lang="en-US" dirty="0"/>
           </a:p>
@@ -1108,7 +1113,7 @@
           <a:p>
             <a:fld id="{3CC50CA8-B1D2-421C-94B9-77EF3D1B3E38}" type="datetime1">
               <a:rPr lang="en-US" smtClean="0"/>
-              <a:t>11/2/2022</a:t>
+              <a:t>11/7/2022</a:t>
             </a:fld>
             <a:endParaRPr lang="en-US" dirty="0"/>
           </a:p>
@@ -1376,7 +1381,7 @@
           <a:p>
             <a:fld id="{EEFBED7C-C037-4F83-A42B-14FF728C5653}" type="datetime1">
               <a:rPr lang="en-US" smtClean="0"/>
-              <a:t>11/2/2022</a:t>
+              <a:t>11/7/2022</a:t>
             </a:fld>
             <a:endParaRPr lang="en-US" dirty="0"/>
           </a:p>
@@ -1712,7 +1717,7 @@
           <a:p>
             <a:fld id="{95858007-95A6-4143-8407-B4DB86B7E503}" type="datetime1">
               <a:rPr lang="en-US" smtClean="0"/>
-              <a:t>11/2/2022</a:t>
+              <a:t>11/7/2022</a:t>
             </a:fld>
             <a:endParaRPr lang="en-US" dirty="0"/>
           </a:p>
@@ -2330,7 +2335,7 @@
           <a:p>
             <a:fld id="{FEF80DA0-E6F8-4D2A-B358-12DA1EB8AC1E}" type="datetime1">
               <a:rPr lang="en-US" smtClean="0"/>
-              <a:t>11/2/2022</a:t>
+              <a:t>11/7/2022</a:t>
             </a:fld>
             <a:endParaRPr lang="en-US" dirty="0"/>
           </a:p>
@@ -3185,7 +3190,7 @@
           <a:p>
             <a:fld id="{C045B6F2-FFA8-42FB-9B33-63EB6C4D2885}" type="datetime1">
               <a:rPr lang="en-US" smtClean="0"/>
-              <a:t>11/2/2022</a:t>
+              <a:t>11/7/2022</a:t>
             </a:fld>
             <a:endParaRPr lang="en-US" dirty="0"/>
           </a:p>
@@ -3350,7 +3355,7 @@
           <a:p>
             <a:fld id="{6E4EC17B-1C03-4471-AF10-78B2A42D85A9}" type="datetime1">
               <a:rPr lang="en-US" smtClean="0"/>
-              <a:t>11/2/2022</a:t>
+              <a:t>11/7/2022</a:t>
             </a:fld>
             <a:endParaRPr lang="en-US" dirty="0"/>
           </a:p>
@@ -3525,7 +3530,7 @@
           <a:p>
             <a:fld id="{9313C7B6-9CC3-4180-9258-7AAB7D3368F6}" type="datetime1">
               <a:rPr lang="en-US" smtClean="0"/>
-              <a:t>11/2/2022</a:t>
+              <a:t>11/7/2022</a:t>
             </a:fld>
             <a:endParaRPr lang="en-US" dirty="0"/>
           </a:p>
@@ -3690,7 +3695,7 @@
           <a:p>
             <a:fld id="{833D8112-F243-41C4-9AFC-D89B6F08094F}" type="datetime1">
               <a:rPr lang="en-US" smtClean="0"/>
-              <a:t>11/2/2022</a:t>
+              <a:t>11/7/2022</a:t>
             </a:fld>
             <a:endParaRPr lang="en-US" dirty="0"/>
           </a:p>
@@ -3932,7 +3937,7 @@
           <a:p>
             <a:fld id="{B74C7F3D-99FD-4B50-AE73-B16B7F15E0C5}" type="datetime1">
               <a:rPr lang="en-US" smtClean="0"/>
-              <a:t>11/2/2022</a:t>
+              <a:t>11/7/2022</a:t>
             </a:fld>
             <a:endParaRPr lang="en-US" dirty="0"/>
           </a:p>
@@ -4219,7 +4224,7 @@
           <a:p>
             <a:fld id="{E7E74604-3B9A-46A4-8726-2429A97AF08A}" type="datetime1">
               <a:rPr lang="en-US" smtClean="0"/>
-              <a:t>11/2/2022</a:t>
+              <a:t>11/7/2022</a:t>
             </a:fld>
             <a:endParaRPr lang="en-US" dirty="0"/>
           </a:p>
@@ -4658,7 +4663,7 @@
           <a:p>
             <a:fld id="{81493ABC-D341-497B-9EB4-FF8D8B525BDF}" type="datetime1">
               <a:rPr lang="en-US" smtClean="0"/>
-              <a:t>11/2/2022</a:t>
+              <a:t>11/7/2022</a:t>
             </a:fld>
             <a:endParaRPr lang="en-US" dirty="0"/>
           </a:p>
@@ -4771,7 +4776,7 @@
           <a:p>
             <a:fld id="{86D0ED60-8F64-4E92-8310-5F0B757EA3E5}" type="datetime1">
               <a:rPr lang="en-US" smtClean="0"/>
-              <a:t>11/2/2022</a:t>
+              <a:t>11/7/2022</a:t>
             </a:fld>
             <a:endParaRPr lang="en-US" dirty="0"/>
           </a:p>
@@ -4861,7 +4866,7 @@
           <a:p>
             <a:fld id="{CD5D4FBA-638A-4101-8D40-B128667A85A6}" type="datetime1">
               <a:rPr lang="en-US" smtClean="0"/>
-              <a:t>11/2/2022</a:t>
+              <a:t>11/7/2022</a:t>
             </a:fld>
             <a:endParaRPr lang="en-US" dirty="0"/>
           </a:p>
@@ -5135,7 +5140,7 @@
           <a:p>
             <a:fld id="{40AB1A7B-7B32-4753-AD0B-1BAB65C8D4C3}" type="datetime1">
               <a:rPr lang="en-US" smtClean="0"/>
-              <a:t>11/2/2022</a:t>
+              <a:t>11/7/2022</a:t>
             </a:fld>
             <a:endParaRPr lang="en-US" dirty="0"/>
           </a:p>
@@ -5405,7 +5410,7 @@
           <a:p>
             <a:fld id="{B9996465-FF73-4B7B-B6A2-6B4DDC53A20A}" type="datetime1">
               <a:rPr lang="en-US" smtClean="0"/>
-              <a:t>11/2/2022</a:t>
+              <a:t>11/7/2022</a:t>
             </a:fld>
             <a:endParaRPr lang="en-US" dirty="0"/>
           </a:p>
@@ -5829,7 +5834,7 @@
           <a:p>
             <a:fld id="{1E9E8D41-70C6-44FB-8BF0-91964937824A}" type="datetime1">
               <a:rPr lang="en-US" smtClean="0"/>
-              <a:t>11/2/2022</a:t>
+              <a:t>11/7/2022</a:t>
             </a:fld>
             <a:endParaRPr lang="en-US" dirty="0"/>
           </a:p>
@@ -6854,7 +6859,7 @@
         </p:spPr>
         <p:txBody>
           <a:bodyPr>
-            <a:normAutofit lnSpcReduction="10000"/>
+            <a:noAutofit/>
           </a:bodyPr>
           <a:lstStyle/>
           <a:p>
@@ -6863,15 +6868,15 @@
               <a:buAutoNum type="arabicPeriod" startAt="2"/>
             </a:pPr>
             <a:r>
-              <a:rPr lang="ru-RU" dirty="0"/>
+              <a:rPr lang="ru-RU" sz="1300" dirty="0"/>
               <a:t>Класс </a:t>
             </a:r>
             <a:r>
-              <a:rPr lang="en-US" dirty="0"/>
+              <a:rPr lang="en-US" sz="1300" dirty="0"/>
               <a:t>Mainwindow</a:t>
             </a:r>
             <a:r>
-              <a:rPr lang="ru-RU" dirty="0"/>
+              <a:rPr lang="ru-RU" sz="1300" dirty="0"/>
               <a:t>: окно составления заказа.</a:t>
             </a:r>
           </a:p>
@@ -6881,7 +6886,7 @@
               <a:buChar char="•"/>
             </a:pPr>
             <a:r>
-              <a:rPr lang="ru-RU" sz="1400" dirty="0"/>
+              <a:rPr lang="ru-RU" sz="1300" dirty="0"/>
               <a:t>Функция form: формирует чек из заданных товаров в соответствии с шаблоном “check_template.docx”.</a:t>
             </a:r>
           </a:p>
@@ -6891,7 +6896,7 @@
               <a:buChar char="•"/>
             </a:pPr>
             <a:r>
-              <a:rPr lang="ru-RU" sz="1400" dirty="0"/>
+              <a:rPr lang="ru-RU" sz="1300" dirty="0"/>
               <a:t>Функция select_path: выводит диалоговое окно выбора пути сохранения чека.</a:t>
             </a:r>
           </a:p>
@@ -6901,7 +6906,7 @@
               <a:buChar char="•"/>
             </a:pPr>
             <a:r>
-              <a:rPr lang="ru-RU" sz="1400" dirty="0"/>
+              <a:rPr lang="ru-RU" sz="1300" dirty="0"/>
               <a:t>Функция new_order: сохраняет текущий заказ и переходит к новому.</a:t>
             </a:r>
           </a:p>
@@ -6911,7 +6916,7 @@
               <a:buChar char="•"/>
             </a:pPr>
             <a:r>
-              <a:rPr lang="ru-RU" sz="1400" dirty="0"/>
+              <a:rPr lang="ru-RU" sz="1300" dirty="0"/>
               <a:t>Функция cancel: отменяет текущий заказ и очищает поле поиска и путь сохранения.</a:t>
             </a:r>
           </a:p>
@@ -6921,7 +6926,7 @@
               <a:buChar char="•"/>
             </a:pPr>
             <a:r>
-              <a:rPr lang="ru-RU" sz="1400" dirty="0"/>
+              <a:rPr lang="ru-RU" sz="1300" dirty="0"/>
               <a:t>Функция current_amount_sum: подсчитывает и выводит промежуточные кол-во товаров и общую стоимость.</a:t>
             </a:r>
           </a:p>
@@ -6931,8 +6936,8 @@
               <a:buChar char="•"/>
             </a:pPr>
             <a:r>
-              <a:rPr lang="ru-RU" sz="1400" dirty="0"/>
-              <a:t>Функция search: производит поиск по названию товара в таблице.</a:t>
+              <a:rPr lang="ru-RU" sz="1300" dirty="0"/>
+              <a:t>Функция edit: дублирует изменения в таблице в базу данных.</a:t>
             </a:r>
           </a:p>
           <a:p>
@@ -6940,7 +6945,10 @@
               <a:buFont typeface="Arial" panose="020B0604020202020204" pitchFamily="34" charset="0"/>
               <a:buChar char="•"/>
             </a:pPr>
-            <a:endParaRPr lang="ru-RU" dirty="0"/>
+            <a:r>
+              <a:rPr lang="ru-RU" sz="1300" dirty="0"/>
+              <a:t>Функция search: производит поиск по названию товара в таблице.</a:t>
+            </a:r>
           </a:p>
         </p:txBody>
       </p:sp>
